--- a/Slides/PPT/Lecture5.pptx
+++ b/Slides/PPT/Lecture5.pptx
@@ -250,7 +250,7 @@
           <a:p>
             <a:fld id="{66E70BB8-B9A9-4A49-AE77-6672D2FCC1F1}" type="datetimeFigureOut">
               <a:rPr lang="en-US" smtClean="0"/>
-              <a:t>11/24/2020</a:t>
+              <a:t>12/8/2020</a:t>
             </a:fld>
             <a:endParaRPr lang="en-US"/>
           </a:p>
@@ -415,7 +415,7 @@
           <a:p>
             <a:fld id="{FD9F7465-78BB-4967-A6A7-EC2C7EAFC45D}" type="datetimeFigureOut">
               <a:rPr lang="zh-TW" altLang="en-US" smtClean="0"/>
-              <a:t>2020/11/24</a:t>
+              <a:t>2020/12/8</a:t>
             </a:fld>
             <a:endParaRPr lang="zh-TW" altLang="en-US"/>
           </a:p>
@@ -4487,7 +4487,7 @@
               <a:p>
                 <a:r>
                   <a:rPr lang="zh-TW" altLang="en-US" dirty="0" smtClean="0"/>
-                  <a:t>每個輯閘控制所要清除、寫入及讀取的資訊</a:t>
+                  <a:t>每個輯閘控制都可清除、寫入及讀取的資訊</a:t>
                 </a:r>
                 <a:endParaRPr lang="en-US" dirty="0" smtClean="0"/>
               </a:p>
@@ -11196,13 +11196,14 @@
               <a:t>(</a:t>
             </a:r>
             <a:r>
-              <a:rPr lang="zh-TW" altLang="en-US" dirty="0" smtClean="0"/>
-              <a:t>沒有完整句子</a:t>
-            </a:r>
-            <a:r>
-              <a:rPr lang="en-US" altLang="zh-TW" dirty="0" smtClean="0"/>
+              <a:rPr lang="zh-TW" altLang="en-US" smtClean="0"/>
+              <a:t>會看到自己本身</a:t>
+            </a:r>
+            <a:r>
+              <a:rPr lang="en-US" altLang="zh-TW" smtClean="0"/>
               <a:t>)</a:t>
             </a:r>
+            <a:endParaRPr lang="en-US" altLang="zh-TW" dirty="0" smtClean="0"/>
           </a:p>
           <a:p>
             <a:r>
@@ -13681,7 +13682,7 @@
             </a:r>
             <a:r>
               <a:rPr lang="zh-TW" altLang="en-US" dirty="0" smtClean="0"/>
-              <a:t>轉乘</a:t>
+              <a:t>轉成</a:t>
             </a:r>
             <a:r>
               <a:rPr lang="en-US" altLang="zh-TW" dirty="0" smtClean="0"/>
@@ -19946,11 +19947,7 @@
             </a:r>
             <a:r>
               <a:rPr lang="en-US" sz="2000"/>
-              <a:t> et al., Attention Is All </a:t>
-            </a:r>
-            <a:r>
-              <a:rPr lang="en-US" sz="2000"/>
-              <a:t>You </a:t>
+              <a:t> et al., Attention Is All You </a:t>
             </a:r>
             <a:r>
               <a:rPr lang="en-US" sz="2000" smtClean="0"/>
@@ -21234,10 +21231,10 @@
           <a:lstStyle/>
           <a:p>
             <a:r>
-              <a:rPr lang="zh-TW" altLang="en-US" smtClean="0"/>
+              <a:rPr lang="zh-TW" altLang="en-US" dirty="0" smtClean="0"/>
               <a:t>國立高雄科技大學建功校區電子工程系</a:t>
             </a:r>
-            <a:endParaRPr lang="en-US"/>
+            <a:endParaRPr lang="en-US" dirty="0"/>
           </a:p>
         </p:txBody>
       </p:sp>
